--- a/talks/src/class02.pptx
+++ b/talks/src/class02.pptx
@@ -247,7 +247,7 @@
           <a:p>
             <a:fld id="{56C6788E-680A-49E5-BB93-D456A9D23A29}" type="datetimeFigureOut">
               <a:rPr lang="ru-RU" smtClean="0"/>
-              <a:t>28.09.2021</a:t>
+              <a:t>26.09.2022</a:t>
             </a:fld>
             <a:endParaRPr lang="ru-RU"/>
           </a:p>
@@ -416,7 +416,7 @@
           <a:p>
             <a:fld id="{C4DF4945-C160-4CD5-B124-49B9BE14C0AB}" type="datetimeFigureOut">
               <a:rPr lang="ru-RU" smtClean="0"/>
-              <a:t>28.09.2021</a:t>
+              <a:t>26.09.2022</a:t>
             </a:fld>
             <a:endParaRPr lang="ru-RU"/>
           </a:p>
@@ -5480,7 +5480,7 @@
           <a:p>
             <a:fld id="{12C63722-5D9F-4E99-9720-9B6A0C7BB1C9}" type="datetimeFigureOut">
               <a:rPr lang="ru-RU" smtClean="0"/>
-              <a:t>28.09.2021</a:t>
+              <a:t>26.09.2022</a:t>
             </a:fld>
             <a:endParaRPr lang="ru-RU"/>
           </a:p>
@@ -5650,7 +5650,7 @@
           <a:p>
             <a:fld id="{12C63722-5D9F-4E99-9720-9B6A0C7BB1C9}" type="datetimeFigureOut">
               <a:rPr lang="ru-RU" smtClean="0"/>
-              <a:t>28.09.2021</a:t>
+              <a:t>26.09.2022</a:t>
             </a:fld>
             <a:endParaRPr lang="ru-RU"/>
           </a:p>
@@ -5830,7 +5830,7 @@
           <a:p>
             <a:fld id="{12C63722-5D9F-4E99-9720-9B6A0C7BB1C9}" type="datetimeFigureOut">
               <a:rPr lang="ru-RU" smtClean="0"/>
-              <a:t>28.09.2021</a:t>
+              <a:t>26.09.2022</a:t>
             </a:fld>
             <a:endParaRPr lang="ru-RU"/>
           </a:p>
@@ -6022,7 +6022,7 @@
           <a:p>
             <a:fld id="{8C218C88-2408-4CFC-B25C-07450930B282}" type="datetimeFigureOut">
               <a:rPr lang="ru-RU" smtClean="0"/>
-              <a:t>28.09.2021</a:t>
+              <a:t>26.09.2022</a:t>
             </a:fld>
             <a:endParaRPr lang="ru-RU"/>
           </a:p>
@@ -6192,7 +6192,7 @@
           <a:p>
             <a:fld id="{8C218C88-2408-4CFC-B25C-07450930B282}" type="datetimeFigureOut">
               <a:rPr lang="ru-RU" smtClean="0"/>
-              <a:t>28.09.2021</a:t>
+              <a:t>26.09.2022</a:t>
             </a:fld>
             <a:endParaRPr lang="ru-RU"/>
           </a:p>
@@ -6438,7 +6438,7 @@
           <a:p>
             <a:fld id="{8C218C88-2408-4CFC-B25C-07450930B282}" type="datetimeFigureOut">
               <a:rPr lang="ru-RU" smtClean="0"/>
-              <a:t>28.09.2021</a:t>
+              <a:t>26.09.2022</a:t>
             </a:fld>
             <a:endParaRPr lang="ru-RU"/>
           </a:p>
@@ -6670,7 +6670,7 @@
           <a:p>
             <a:fld id="{8C218C88-2408-4CFC-B25C-07450930B282}" type="datetimeFigureOut">
               <a:rPr lang="ru-RU" smtClean="0"/>
-              <a:t>28.09.2021</a:t>
+              <a:t>26.09.2022</a:t>
             </a:fld>
             <a:endParaRPr lang="ru-RU"/>
           </a:p>
@@ -7037,7 +7037,7 @@
           <a:p>
             <a:fld id="{8C218C88-2408-4CFC-B25C-07450930B282}" type="datetimeFigureOut">
               <a:rPr lang="ru-RU" smtClean="0"/>
-              <a:t>28.09.2021</a:t>
+              <a:t>26.09.2022</a:t>
             </a:fld>
             <a:endParaRPr lang="ru-RU"/>
           </a:p>
@@ -7155,7 +7155,7 @@
           <a:p>
             <a:fld id="{8C218C88-2408-4CFC-B25C-07450930B282}" type="datetimeFigureOut">
               <a:rPr lang="ru-RU" smtClean="0"/>
-              <a:t>28.09.2021</a:t>
+              <a:t>26.09.2022</a:t>
             </a:fld>
             <a:endParaRPr lang="ru-RU"/>
           </a:p>
@@ -7250,7 +7250,7 @@
           <a:p>
             <a:fld id="{8C218C88-2408-4CFC-B25C-07450930B282}" type="datetimeFigureOut">
               <a:rPr lang="ru-RU" smtClean="0"/>
-              <a:t>28.09.2021</a:t>
+              <a:t>26.09.2022</a:t>
             </a:fld>
             <a:endParaRPr lang="ru-RU"/>
           </a:p>
@@ -7527,7 +7527,7 @@
           <a:p>
             <a:fld id="{8C218C88-2408-4CFC-B25C-07450930B282}" type="datetimeFigureOut">
               <a:rPr lang="ru-RU" smtClean="0"/>
-              <a:t>28.09.2021</a:t>
+              <a:t>26.09.2022</a:t>
             </a:fld>
             <a:endParaRPr lang="ru-RU"/>
           </a:p>
@@ -7697,7 +7697,7 @@
           <a:p>
             <a:fld id="{12C63722-5D9F-4E99-9720-9B6A0C7BB1C9}" type="datetimeFigureOut">
               <a:rPr lang="ru-RU" smtClean="0"/>
-              <a:t>28.09.2021</a:t>
+              <a:t>26.09.2022</a:t>
             </a:fld>
             <a:endParaRPr lang="ru-RU"/>
           </a:p>
@@ -7950,7 +7950,7 @@
           <a:p>
             <a:fld id="{8C218C88-2408-4CFC-B25C-07450930B282}" type="datetimeFigureOut">
               <a:rPr lang="ru-RU" smtClean="0"/>
-              <a:t>28.09.2021</a:t>
+              <a:t>26.09.2022</a:t>
             </a:fld>
             <a:endParaRPr lang="ru-RU"/>
           </a:p>
@@ -8120,7 +8120,7 @@
           <a:p>
             <a:fld id="{8C218C88-2408-4CFC-B25C-07450930B282}" type="datetimeFigureOut">
               <a:rPr lang="ru-RU" smtClean="0"/>
-              <a:t>28.09.2021</a:t>
+              <a:t>26.09.2022</a:t>
             </a:fld>
             <a:endParaRPr lang="ru-RU"/>
           </a:p>
@@ -8300,7 +8300,7 @@
           <a:p>
             <a:fld id="{8C218C88-2408-4CFC-B25C-07450930B282}" type="datetimeFigureOut">
               <a:rPr lang="ru-RU" smtClean="0"/>
-              <a:t>28.09.2021</a:t>
+              <a:t>26.09.2022</a:t>
             </a:fld>
             <a:endParaRPr lang="ru-RU"/>
           </a:p>
@@ -8546,7 +8546,7 @@
           <a:p>
             <a:fld id="{12C63722-5D9F-4E99-9720-9B6A0C7BB1C9}" type="datetimeFigureOut">
               <a:rPr lang="ru-RU" smtClean="0"/>
-              <a:t>28.09.2021</a:t>
+              <a:t>26.09.2022</a:t>
             </a:fld>
             <a:endParaRPr lang="ru-RU"/>
           </a:p>
@@ -8786,7 +8786,7 @@
           <a:p>
             <a:fld id="{12C63722-5D9F-4E99-9720-9B6A0C7BB1C9}" type="datetimeFigureOut">
               <a:rPr lang="ru-RU" smtClean="0"/>
-              <a:t>28.09.2021</a:t>
+              <a:t>26.09.2022</a:t>
             </a:fld>
             <a:endParaRPr lang="ru-RU"/>
           </a:p>
@@ -9153,7 +9153,7 @@
           <a:p>
             <a:fld id="{12C63722-5D9F-4E99-9720-9B6A0C7BB1C9}" type="datetimeFigureOut">
               <a:rPr lang="ru-RU" smtClean="0"/>
-              <a:t>28.09.2021</a:t>
+              <a:t>26.09.2022</a:t>
             </a:fld>
             <a:endParaRPr lang="ru-RU"/>
           </a:p>
@@ -9271,7 +9271,7 @@
           <a:p>
             <a:fld id="{12C63722-5D9F-4E99-9720-9B6A0C7BB1C9}" type="datetimeFigureOut">
               <a:rPr lang="ru-RU" smtClean="0"/>
-              <a:t>28.09.2021</a:t>
+              <a:t>26.09.2022</a:t>
             </a:fld>
             <a:endParaRPr lang="ru-RU"/>
           </a:p>
@@ -9366,7 +9366,7 @@
           <a:p>
             <a:fld id="{12C63722-5D9F-4E99-9720-9B6A0C7BB1C9}" type="datetimeFigureOut">
               <a:rPr lang="ru-RU" smtClean="0"/>
-              <a:t>28.09.2021</a:t>
+              <a:t>26.09.2022</a:t>
             </a:fld>
             <a:endParaRPr lang="ru-RU"/>
           </a:p>
@@ -9643,7 +9643,7 @@
           <a:p>
             <a:fld id="{12C63722-5D9F-4E99-9720-9B6A0C7BB1C9}" type="datetimeFigureOut">
               <a:rPr lang="ru-RU" smtClean="0"/>
-              <a:t>28.09.2021</a:t>
+              <a:t>26.09.2022</a:t>
             </a:fld>
             <a:endParaRPr lang="ru-RU"/>
           </a:p>
@@ -9896,7 +9896,7 @@
           <a:p>
             <a:fld id="{12C63722-5D9F-4E99-9720-9B6A0C7BB1C9}" type="datetimeFigureOut">
               <a:rPr lang="ru-RU" smtClean="0"/>
-              <a:t>28.09.2021</a:t>
+              <a:t>26.09.2022</a:t>
             </a:fld>
             <a:endParaRPr lang="ru-RU"/>
           </a:p>
@@ -10109,7 +10109,7 @@
           <a:p>
             <a:fld id="{12C63722-5D9F-4E99-9720-9B6A0C7BB1C9}" type="datetimeFigureOut">
               <a:rPr lang="ru-RU" smtClean="0"/>
-              <a:t>28.09.2021</a:t>
+              <a:t>26.09.2022</a:t>
             </a:fld>
             <a:endParaRPr lang="ru-RU"/>
           </a:p>
@@ -10649,7 +10649,7 @@
           <a:p>
             <a:fld id="{8C218C88-2408-4CFC-B25C-07450930B282}" type="datetimeFigureOut">
               <a:rPr lang="ru-RU" smtClean="0"/>
-              <a:t>28.09.2021</a:t>
+              <a:t>26.09.2022</a:t>
             </a:fld>
             <a:endParaRPr lang="ru-RU"/>
           </a:p>
@@ -11117,7 +11117,7 @@
           <p:nvPr>
             <p:extLst>
               <p:ext uri="{D42A27DB-BD31-4B8C-83A1-F6EECF244321}">
-                <p14:modId xmlns:p14="http://schemas.microsoft.com/office/powerpoint/2010/main" val="4164474727"/>
+                <p14:modId xmlns:p14="http://schemas.microsoft.com/office/powerpoint/2010/main" val="4122964804"/>
               </p:ext>
             </p:extLst>
           </p:nvPr>
@@ -11147,14 +11147,7 @@
                     <a:bodyPr/>
                     <a:lstStyle/>
                     <a:p>
-                      <a:r>
-                        <a:rPr lang="en-US" dirty="0"/>
-                        <a:t>Acronis @ </a:t>
-                      </a:r>
-                      <a:r>
-                        <a:rPr lang="ru-RU" dirty="0"/>
-                        <a:t>МФТИ</a:t>
-                      </a:r>
+                      <a:endParaRPr lang="ru-RU" dirty="0"/>
                     </a:p>
                   </a:txBody>
                   <a:tcPr/>
@@ -11372,7 +11365,13 @@
           <p:cNvGraphicFramePr>
             <a:graphicFrameLocks noGrp="1"/>
           </p:cNvGraphicFramePr>
-          <p:nvPr/>
+          <p:nvPr>
+            <p:extLst>
+              <p:ext uri="{D42A27DB-BD31-4B8C-83A1-F6EECF244321}">
+                <p14:modId xmlns:p14="http://schemas.microsoft.com/office/powerpoint/2010/main" val="184133499"/>
+              </p:ext>
+            </p:extLst>
+          </p:nvPr>
         </p:nvGraphicFramePr>
         <p:xfrm>
           <a:off x="0" y="6532604"/>
@@ -11399,14 +11398,7 @@
                     <a:bodyPr/>
                     <a:lstStyle/>
                     <a:p>
-                      <a:r>
-                        <a:rPr lang="en-US" dirty="0"/>
-                        <a:t>Acronis @ </a:t>
-                      </a:r>
-                      <a:r>
-                        <a:rPr lang="ru-RU" dirty="0"/>
-                        <a:t>МФТИ</a:t>
-                      </a:r>
+                      <a:endParaRPr lang="ru-RU" dirty="0"/>
                     </a:p>
                   </a:txBody>
                   <a:tcPr/>
@@ -12007,7 +11999,13 @@
           <p:cNvGraphicFramePr>
             <a:graphicFrameLocks noGrp="1"/>
           </p:cNvGraphicFramePr>
-          <p:nvPr/>
+          <p:nvPr>
+            <p:extLst>
+              <p:ext uri="{D42A27DB-BD31-4B8C-83A1-F6EECF244321}">
+                <p14:modId xmlns:p14="http://schemas.microsoft.com/office/powerpoint/2010/main" val="3477784593"/>
+              </p:ext>
+            </p:extLst>
+          </p:nvPr>
         </p:nvGraphicFramePr>
         <p:xfrm>
           <a:off x="0" y="6532604"/>
@@ -12034,14 +12032,7 @@
                     <a:bodyPr/>
                     <a:lstStyle/>
                     <a:p>
-                      <a:r>
-                        <a:rPr lang="en-US" dirty="0"/>
-                        <a:t>Acronis @ </a:t>
-                      </a:r>
-                      <a:r>
-                        <a:rPr lang="ru-RU" dirty="0"/>
-                        <a:t>МФТИ</a:t>
-                      </a:r>
+                      <a:endParaRPr lang="ru-RU" dirty="0"/>
                     </a:p>
                   </a:txBody>
                   <a:tcPr/>
@@ -12980,7 +12971,13 @@
           <p:cNvGraphicFramePr>
             <a:graphicFrameLocks noGrp="1"/>
           </p:cNvGraphicFramePr>
-          <p:nvPr/>
+          <p:nvPr>
+            <p:extLst>
+              <p:ext uri="{D42A27DB-BD31-4B8C-83A1-F6EECF244321}">
+                <p14:modId xmlns:p14="http://schemas.microsoft.com/office/powerpoint/2010/main" val="1936673848"/>
+              </p:ext>
+            </p:extLst>
+          </p:nvPr>
         </p:nvGraphicFramePr>
         <p:xfrm>
           <a:off x="0" y="6532604"/>
@@ -13007,14 +13004,7 @@
                     <a:bodyPr/>
                     <a:lstStyle/>
                     <a:p>
-                      <a:r>
-                        <a:rPr lang="en-US" dirty="0"/>
-                        <a:t>Acronis @ </a:t>
-                      </a:r>
-                      <a:r>
-                        <a:rPr lang="ru-RU" dirty="0"/>
-                        <a:t>МФТИ</a:t>
-                      </a:r>
+                      <a:endParaRPr lang="ru-RU" dirty="0"/>
                     </a:p>
                   </a:txBody>
                   <a:tcPr/>
@@ -13292,7 +13282,13 @@
           <p:cNvGraphicFramePr>
             <a:graphicFrameLocks noGrp="1"/>
           </p:cNvGraphicFramePr>
-          <p:nvPr/>
+          <p:nvPr>
+            <p:extLst>
+              <p:ext uri="{D42A27DB-BD31-4B8C-83A1-F6EECF244321}">
+                <p14:modId xmlns:p14="http://schemas.microsoft.com/office/powerpoint/2010/main" val="2387977807"/>
+              </p:ext>
+            </p:extLst>
+          </p:nvPr>
         </p:nvGraphicFramePr>
         <p:xfrm>
           <a:off x="0" y="6532604"/>
@@ -13319,14 +13315,7 @@
                     <a:bodyPr/>
                     <a:lstStyle/>
                     <a:p>
-                      <a:r>
-                        <a:rPr lang="en-US" dirty="0"/>
-                        <a:t>Acronis @ </a:t>
-                      </a:r>
-                      <a:r>
-                        <a:rPr lang="ru-RU" dirty="0"/>
-                        <a:t>МФТИ</a:t>
-                      </a:r>
+                      <a:endParaRPr lang="ru-RU" dirty="0"/>
                     </a:p>
                   </a:txBody>
                   <a:tcPr/>
@@ -13629,7 +13618,13 @@
           <p:cNvGraphicFramePr>
             <a:graphicFrameLocks noGrp="1"/>
           </p:cNvGraphicFramePr>
-          <p:nvPr/>
+          <p:nvPr>
+            <p:extLst>
+              <p:ext uri="{D42A27DB-BD31-4B8C-83A1-F6EECF244321}">
+                <p14:modId xmlns:p14="http://schemas.microsoft.com/office/powerpoint/2010/main" val="326640386"/>
+              </p:ext>
+            </p:extLst>
+          </p:nvPr>
         </p:nvGraphicFramePr>
         <p:xfrm>
           <a:off x="0" y="6532604"/>
@@ -13656,14 +13651,7 @@
                     <a:bodyPr/>
                     <a:lstStyle/>
                     <a:p>
-                      <a:r>
-                        <a:rPr lang="en-US" dirty="0"/>
-                        <a:t>Acronis @ </a:t>
-                      </a:r>
-                      <a:r>
-                        <a:rPr lang="ru-RU" dirty="0"/>
-                        <a:t>МФТИ</a:t>
-                      </a:r>
+                      <a:endParaRPr lang="ru-RU" dirty="0"/>
                     </a:p>
                   </a:txBody>
                   <a:tcPr/>
@@ -14028,7 +14016,13 @@
           <p:cNvGraphicFramePr>
             <a:graphicFrameLocks noGrp="1"/>
           </p:cNvGraphicFramePr>
-          <p:nvPr/>
+          <p:nvPr>
+            <p:extLst>
+              <p:ext uri="{D42A27DB-BD31-4B8C-83A1-F6EECF244321}">
+                <p14:modId xmlns:p14="http://schemas.microsoft.com/office/powerpoint/2010/main" val="1816117853"/>
+              </p:ext>
+            </p:extLst>
+          </p:nvPr>
         </p:nvGraphicFramePr>
         <p:xfrm>
           <a:off x="0" y="6532604"/>
@@ -14055,14 +14049,7 @@
                     <a:bodyPr/>
                     <a:lstStyle/>
                     <a:p>
-                      <a:r>
-                        <a:rPr lang="en-US" dirty="0"/>
-                        <a:t>Acronis @ </a:t>
-                      </a:r>
-                      <a:r>
-                        <a:rPr lang="ru-RU" dirty="0"/>
-                        <a:t>МФТИ</a:t>
-                      </a:r>
+                      <a:endParaRPr lang="ru-RU" dirty="0"/>
                     </a:p>
                   </a:txBody>
                   <a:tcPr/>
@@ -14463,7 +14450,13 @@
           <p:cNvGraphicFramePr>
             <a:graphicFrameLocks noGrp="1"/>
           </p:cNvGraphicFramePr>
-          <p:nvPr/>
+          <p:nvPr>
+            <p:extLst>
+              <p:ext uri="{D42A27DB-BD31-4B8C-83A1-F6EECF244321}">
+                <p14:modId xmlns:p14="http://schemas.microsoft.com/office/powerpoint/2010/main" val="1755385131"/>
+              </p:ext>
+            </p:extLst>
+          </p:nvPr>
         </p:nvGraphicFramePr>
         <p:xfrm>
           <a:off x="0" y="6532604"/>
@@ -14490,14 +14483,7 @@
                     <a:bodyPr/>
                     <a:lstStyle/>
                     <a:p>
-                      <a:r>
-                        <a:rPr lang="en-US" dirty="0"/>
-                        <a:t>Acronis @ </a:t>
-                      </a:r>
-                      <a:r>
-                        <a:rPr lang="ru-RU" dirty="0"/>
-                        <a:t>МФТИ</a:t>
-                      </a:r>
+                      <a:endParaRPr lang="ru-RU" dirty="0"/>
                     </a:p>
                   </a:txBody>
                   <a:tcPr/>
@@ -14978,7 +14964,7 @@
           <p:nvPr>
             <p:extLst>
               <p:ext uri="{D42A27DB-BD31-4B8C-83A1-F6EECF244321}">
-                <p14:modId xmlns:p14="http://schemas.microsoft.com/office/powerpoint/2010/main" val="4164474727"/>
+                <p14:modId xmlns:p14="http://schemas.microsoft.com/office/powerpoint/2010/main" val="483546683"/>
               </p:ext>
             </p:extLst>
           </p:nvPr>
@@ -15008,14 +14994,7 @@
                     <a:bodyPr/>
                     <a:lstStyle/>
                     <a:p>
-                      <a:r>
-                        <a:rPr lang="en-US" dirty="0"/>
-                        <a:t>Acronis @ </a:t>
-                      </a:r>
-                      <a:r>
-                        <a:rPr lang="ru-RU" dirty="0"/>
-                        <a:t>МФТИ</a:t>
-                      </a:r>
+                      <a:endParaRPr lang="ru-RU" dirty="0"/>
                     </a:p>
                   </a:txBody>
                   <a:tcPr/>
@@ -15353,7 +15332,7 @@
           <p:nvPr>
             <p:extLst>
               <p:ext uri="{D42A27DB-BD31-4B8C-83A1-F6EECF244321}">
-                <p14:modId xmlns:p14="http://schemas.microsoft.com/office/powerpoint/2010/main" val="4164474727"/>
+                <p14:modId xmlns:p14="http://schemas.microsoft.com/office/powerpoint/2010/main" val="2335762118"/>
               </p:ext>
             </p:extLst>
           </p:nvPr>
@@ -15383,14 +15362,7 @@
                     <a:bodyPr/>
                     <a:lstStyle/>
                     <a:p>
-                      <a:r>
-                        <a:rPr lang="en-US" dirty="0"/>
-                        <a:t>Acronis @ </a:t>
-                      </a:r>
-                      <a:r>
-                        <a:rPr lang="ru-RU" dirty="0"/>
-                        <a:t>МФТИ</a:t>
-                      </a:r>
+                      <a:endParaRPr lang="ru-RU" dirty="0"/>
                     </a:p>
                   </a:txBody>
                   <a:tcPr/>
@@ -15751,7 +15723,7 @@
           <p:nvPr>
             <p:extLst>
               <p:ext uri="{D42A27DB-BD31-4B8C-83A1-F6EECF244321}">
-                <p14:modId xmlns:p14="http://schemas.microsoft.com/office/powerpoint/2010/main" val="4164474727"/>
+                <p14:modId xmlns:p14="http://schemas.microsoft.com/office/powerpoint/2010/main" val="906570645"/>
               </p:ext>
             </p:extLst>
           </p:nvPr>
@@ -15781,14 +15753,7 @@
                     <a:bodyPr/>
                     <a:lstStyle/>
                     <a:p>
-                      <a:r>
-                        <a:rPr lang="en-US" dirty="0"/>
-                        <a:t>Acronis @ </a:t>
-                      </a:r>
-                      <a:r>
-                        <a:rPr lang="ru-RU" dirty="0"/>
-                        <a:t>МФТИ</a:t>
-                      </a:r>
+                      <a:endParaRPr lang="ru-RU" dirty="0"/>
                     </a:p>
                   </a:txBody>
                   <a:tcPr/>
@@ -16158,7 +16123,7 @@
           <p:nvPr>
             <p:extLst>
               <p:ext uri="{D42A27DB-BD31-4B8C-83A1-F6EECF244321}">
-                <p14:modId xmlns:p14="http://schemas.microsoft.com/office/powerpoint/2010/main" val="4164474727"/>
+                <p14:modId xmlns:p14="http://schemas.microsoft.com/office/powerpoint/2010/main" val="1461220909"/>
               </p:ext>
             </p:extLst>
           </p:nvPr>
@@ -16188,14 +16153,7 @@
                     <a:bodyPr/>
                     <a:lstStyle/>
                     <a:p>
-                      <a:r>
-                        <a:rPr lang="en-US" dirty="0"/>
-                        <a:t>Acronis @ </a:t>
-                      </a:r>
-                      <a:r>
-                        <a:rPr lang="ru-RU" dirty="0"/>
-                        <a:t>МФТИ</a:t>
-                      </a:r>
+                      <a:endParaRPr lang="ru-RU" dirty="0"/>
                     </a:p>
                   </a:txBody>
                   <a:tcPr/>
@@ -16360,7 +16318,13 @@
           <p:cNvGraphicFramePr>
             <a:graphicFrameLocks noGrp="1"/>
           </p:cNvGraphicFramePr>
-          <p:nvPr/>
+          <p:nvPr>
+            <p:extLst>
+              <p:ext uri="{D42A27DB-BD31-4B8C-83A1-F6EECF244321}">
+                <p14:modId xmlns:p14="http://schemas.microsoft.com/office/powerpoint/2010/main" val="1622670687"/>
+              </p:ext>
+            </p:extLst>
+          </p:nvPr>
         </p:nvGraphicFramePr>
         <p:xfrm>
           <a:off x="0" y="6532604"/>
@@ -16387,14 +16351,7 @@
                     <a:bodyPr/>
                     <a:lstStyle/>
                     <a:p>
-                      <a:r>
-                        <a:rPr lang="en-US" dirty="0"/>
-                        <a:t>Acronis @ </a:t>
-                      </a:r>
-                      <a:r>
-                        <a:rPr lang="ru-RU" dirty="0"/>
-                        <a:t>МФТИ</a:t>
-                      </a:r>
+                      <a:endParaRPr lang="ru-RU" dirty="0"/>
                     </a:p>
                   </a:txBody>
                   <a:tcPr/>
@@ -16671,7 +16628,13 @@
           <p:cNvGraphicFramePr>
             <a:graphicFrameLocks noGrp="1"/>
           </p:cNvGraphicFramePr>
-          <p:nvPr/>
+          <p:nvPr>
+            <p:extLst>
+              <p:ext uri="{D42A27DB-BD31-4B8C-83A1-F6EECF244321}">
+                <p14:modId xmlns:p14="http://schemas.microsoft.com/office/powerpoint/2010/main" val="2526941019"/>
+              </p:ext>
+            </p:extLst>
+          </p:nvPr>
         </p:nvGraphicFramePr>
         <p:xfrm>
           <a:off x="0" y="6532604"/>
@@ -16698,14 +16661,7 @@
                     <a:bodyPr/>
                     <a:lstStyle/>
                     <a:p>
-                      <a:r>
-                        <a:rPr lang="en-US" dirty="0"/>
-                        <a:t>Acronis @ </a:t>
-                      </a:r>
-                      <a:r>
-                        <a:rPr lang="ru-RU" dirty="0"/>
-                        <a:t>МФТИ</a:t>
-                      </a:r>
+                      <a:endParaRPr lang="ru-RU" dirty="0"/>
                     </a:p>
                   </a:txBody>
                   <a:tcPr/>
@@ -17017,7 +16973,13 @@
           <p:cNvGraphicFramePr>
             <a:graphicFrameLocks noGrp="1"/>
           </p:cNvGraphicFramePr>
-          <p:nvPr/>
+          <p:nvPr>
+            <p:extLst>
+              <p:ext uri="{D42A27DB-BD31-4B8C-83A1-F6EECF244321}">
+                <p14:modId xmlns:p14="http://schemas.microsoft.com/office/powerpoint/2010/main" val="2572840685"/>
+              </p:ext>
+            </p:extLst>
+          </p:nvPr>
         </p:nvGraphicFramePr>
         <p:xfrm>
           <a:off x="0" y="6532604"/>
@@ -17044,14 +17006,7 @@
                     <a:bodyPr/>
                     <a:lstStyle/>
                     <a:p>
-                      <a:r>
-                        <a:rPr lang="en-US" dirty="0"/>
-                        <a:t>Acronis @ </a:t>
-                      </a:r>
-                      <a:r>
-                        <a:rPr lang="ru-RU" dirty="0"/>
-                        <a:t>МФТИ</a:t>
-                      </a:r>
+                      <a:endParaRPr lang="ru-RU" dirty="0"/>
                     </a:p>
                   </a:txBody>
                   <a:tcPr/>
@@ -21175,7 +21130,13 @@
           <p:cNvGraphicFramePr>
             <a:graphicFrameLocks noGrp="1"/>
           </p:cNvGraphicFramePr>
-          <p:nvPr/>
+          <p:nvPr>
+            <p:extLst>
+              <p:ext uri="{D42A27DB-BD31-4B8C-83A1-F6EECF244321}">
+                <p14:modId xmlns:p14="http://schemas.microsoft.com/office/powerpoint/2010/main" val="1800477940"/>
+              </p:ext>
+            </p:extLst>
+          </p:nvPr>
         </p:nvGraphicFramePr>
         <p:xfrm>
           <a:off x="0" y="6532604"/>
@@ -21202,14 +21163,7 @@
                     <a:bodyPr/>
                     <a:lstStyle/>
                     <a:p>
-                      <a:r>
-                        <a:rPr lang="en-US" dirty="0"/>
-                        <a:t>Acronis @ </a:t>
-                      </a:r>
-                      <a:r>
-                        <a:rPr lang="ru-RU" dirty="0"/>
-                        <a:t>МФТИ</a:t>
-                      </a:r>
+                      <a:endParaRPr lang="ru-RU" dirty="0"/>
                     </a:p>
                   </a:txBody>
                   <a:tcPr/>
@@ -23234,7 +23188,7 @@
           <p:nvPr>
             <p:extLst>
               <p:ext uri="{D42A27DB-BD31-4B8C-83A1-F6EECF244321}">
-                <p14:modId xmlns:p14="http://schemas.microsoft.com/office/powerpoint/2010/main" val="4164474727"/>
+                <p14:modId xmlns:p14="http://schemas.microsoft.com/office/powerpoint/2010/main" val="1293395915"/>
               </p:ext>
             </p:extLst>
           </p:nvPr>
@@ -23264,14 +23218,7 @@
                     <a:bodyPr/>
                     <a:lstStyle/>
                     <a:p>
-                      <a:r>
-                        <a:rPr lang="en-US" dirty="0"/>
-                        <a:t>Acronis @ </a:t>
-                      </a:r>
-                      <a:r>
-                        <a:rPr lang="ru-RU" dirty="0"/>
-                        <a:t>МФТИ</a:t>
-                      </a:r>
+                      <a:endParaRPr lang="ru-RU" dirty="0"/>
                     </a:p>
                   </a:txBody>
                   <a:tcPr/>
@@ -23457,7 +23404,13 @@
           <p:cNvGraphicFramePr>
             <a:graphicFrameLocks noGrp="1"/>
           </p:cNvGraphicFramePr>
-          <p:nvPr/>
+          <p:nvPr>
+            <p:extLst>
+              <p:ext uri="{D42A27DB-BD31-4B8C-83A1-F6EECF244321}">
+                <p14:modId xmlns:p14="http://schemas.microsoft.com/office/powerpoint/2010/main" val="1457081692"/>
+              </p:ext>
+            </p:extLst>
+          </p:nvPr>
         </p:nvGraphicFramePr>
         <p:xfrm>
           <a:off x="0" y="6532604"/>
@@ -23484,14 +23437,7 @@
                     <a:bodyPr/>
                     <a:lstStyle/>
                     <a:p>
-                      <a:r>
-                        <a:rPr lang="en-US" dirty="0"/>
-                        <a:t>Acronis @ </a:t>
-                      </a:r>
-                      <a:r>
-                        <a:rPr lang="ru-RU" dirty="0"/>
-                        <a:t>МФТИ</a:t>
-                      </a:r>
+                      <a:endParaRPr lang="ru-RU" dirty="0"/>
                     </a:p>
                   </a:txBody>
                   <a:tcPr/>
@@ -24538,7 +24484,7 @@
           <p:nvPr>
             <p:extLst>
               <p:ext uri="{D42A27DB-BD31-4B8C-83A1-F6EECF244321}">
-                <p14:modId xmlns:p14="http://schemas.microsoft.com/office/powerpoint/2010/main" val="4164474727"/>
+                <p14:modId xmlns:p14="http://schemas.microsoft.com/office/powerpoint/2010/main" val="654802278"/>
               </p:ext>
             </p:extLst>
           </p:nvPr>
@@ -24568,14 +24514,7 @@
                     <a:bodyPr/>
                     <a:lstStyle/>
                     <a:p>
-                      <a:r>
-                        <a:rPr lang="en-US" dirty="0"/>
-                        <a:t>Acronis @ </a:t>
-                      </a:r>
-                      <a:r>
-                        <a:rPr lang="ru-RU" dirty="0"/>
-                        <a:t>МФТИ</a:t>
-                      </a:r>
+                      <a:endParaRPr lang="ru-RU" dirty="0"/>
                     </a:p>
                   </a:txBody>
                   <a:tcPr/>
@@ -25649,7 +25588,13 @@
           <p:cNvGraphicFramePr>
             <a:graphicFrameLocks noGrp="1"/>
           </p:cNvGraphicFramePr>
-          <p:nvPr/>
+          <p:nvPr>
+            <p:extLst>
+              <p:ext uri="{D42A27DB-BD31-4B8C-83A1-F6EECF244321}">
+                <p14:modId xmlns:p14="http://schemas.microsoft.com/office/powerpoint/2010/main" val="2583962616"/>
+              </p:ext>
+            </p:extLst>
+          </p:nvPr>
         </p:nvGraphicFramePr>
         <p:xfrm>
           <a:off x="0" y="6532604"/>
@@ -25676,14 +25621,7 @@
                     <a:bodyPr/>
                     <a:lstStyle/>
                     <a:p>
-                      <a:r>
-                        <a:rPr lang="en-US" dirty="0"/>
-                        <a:t>Acronis @ </a:t>
-                      </a:r>
-                      <a:r>
-                        <a:rPr lang="ru-RU" dirty="0"/>
-                        <a:t>МФТИ</a:t>
-                      </a:r>
+                      <a:endParaRPr lang="ru-RU" dirty="0"/>
                     </a:p>
                   </a:txBody>
                   <a:tcPr/>
@@ -26082,7 +26020,13 @@
           <p:cNvGraphicFramePr>
             <a:graphicFrameLocks noGrp="1"/>
           </p:cNvGraphicFramePr>
-          <p:nvPr/>
+          <p:nvPr>
+            <p:extLst>
+              <p:ext uri="{D42A27DB-BD31-4B8C-83A1-F6EECF244321}">
+                <p14:modId xmlns:p14="http://schemas.microsoft.com/office/powerpoint/2010/main" val="3147393295"/>
+              </p:ext>
+            </p:extLst>
+          </p:nvPr>
         </p:nvGraphicFramePr>
         <p:xfrm>
           <a:off x="0" y="6532604"/>
@@ -26109,14 +26053,7 @@
                     <a:bodyPr/>
                     <a:lstStyle/>
                     <a:p>
-                      <a:r>
-                        <a:rPr lang="en-US" dirty="0"/>
-                        <a:t>Acronis @ </a:t>
-                      </a:r>
-                      <a:r>
-                        <a:rPr lang="ru-RU" dirty="0"/>
-                        <a:t>МФТИ</a:t>
-                      </a:r>
+                      <a:endParaRPr lang="ru-RU" dirty="0"/>
                     </a:p>
                   </a:txBody>
                   <a:tcPr/>
@@ -27771,7 +27708,13 @@
           <p:cNvGraphicFramePr>
             <a:graphicFrameLocks noGrp="1"/>
           </p:cNvGraphicFramePr>
-          <p:nvPr/>
+          <p:nvPr>
+            <p:extLst>
+              <p:ext uri="{D42A27DB-BD31-4B8C-83A1-F6EECF244321}">
+                <p14:modId xmlns:p14="http://schemas.microsoft.com/office/powerpoint/2010/main" val="2380220899"/>
+              </p:ext>
+            </p:extLst>
+          </p:nvPr>
         </p:nvGraphicFramePr>
         <p:xfrm>
           <a:off x="0" y="6532604"/>
@@ -27798,14 +27741,7 @@
                     <a:bodyPr/>
                     <a:lstStyle/>
                     <a:p>
-                      <a:r>
-                        <a:rPr lang="en-US" dirty="0"/>
-                        <a:t>Acronis @ </a:t>
-                      </a:r>
-                      <a:r>
-                        <a:rPr lang="ru-RU" dirty="0"/>
-                        <a:t>МФТИ</a:t>
-                      </a:r>
+                      <a:endParaRPr lang="ru-RU" dirty="0"/>
                     </a:p>
                   </a:txBody>
                   <a:tcPr/>
@@ -29649,7 +29585,13 @@
           <p:cNvGraphicFramePr>
             <a:graphicFrameLocks noGrp="1"/>
           </p:cNvGraphicFramePr>
-          <p:nvPr/>
+          <p:nvPr>
+            <p:extLst>
+              <p:ext uri="{D42A27DB-BD31-4B8C-83A1-F6EECF244321}">
+                <p14:modId xmlns:p14="http://schemas.microsoft.com/office/powerpoint/2010/main" val="1139912437"/>
+              </p:ext>
+            </p:extLst>
+          </p:nvPr>
         </p:nvGraphicFramePr>
         <p:xfrm>
           <a:off x="0" y="6532604"/>
@@ -29676,14 +29618,7 @@
                     <a:bodyPr/>
                     <a:lstStyle/>
                     <a:p>
-                      <a:r>
-                        <a:rPr lang="en-US" dirty="0"/>
-                        <a:t>Acronis @ </a:t>
-                      </a:r>
-                      <a:r>
-                        <a:rPr lang="ru-RU" dirty="0"/>
-                        <a:t>МФТИ</a:t>
-                      </a:r>
+                      <a:endParaRPr lang="ru-RU" dirty="0"/>
                     </a:p>
                   </a:txBody>
                   <a:tcPr/>
@@ -30701,7 +30636,13 @@
           <p:cNvGraphicFramePr>
             <a:graphicFrameLocks noGrp="1"/>
           </p:cNvGraphicFramePr>
-          <p:nvPr/>
+          <p:nvPr>
+            <p:extLst>
+              <p:ext uri="{D42A27DB-BD31-4B8C-83A1-F6EECF244321}">
+                <p14:modId xmlns:p14="http://schemas.microsoft.com/office/powerpoint/2010/main" val="3922777741"/>
+              </p:ext>
+            </p:extLst>
+          </p:nvPr>
         </p:nvGraphicFramePr>
         <p:xfrm>
           <a:off x="0" y="6532604"/>
@@ -30728,14 +30669,7 @@
                     <a:bodyPr/>
                     <a:lstStyle/>
                     <a:p>
-                      <a:r>
-                        <a:rPr lang="en-US" dirty="0"/>
-                        <a:t>Acronis @ </a:t>
-                      </a:r>
-                      <a:r>
-                        <a:rPr lang="ru-RU" dirty="0"/>
-                        <a:t>МФТИ</a:t>
-                      </a:r>
+                      <a:endParaRPr lang="ru-RU" dirty="0"/>
                     </a:p>
                   </a:txBody>
                   <a:tcPr/>
@@ -32436,7 +32370,13 @@
           <p:cNvGraphicFramePr>
             <a:graphicFrameLocks noGrp="1"/>
           </p:cNvGraphicFramePr>
-          <p:nvPr/>
+          <p:nvPr>
+            <p:extLst>
+              <p:ext uri="{D42A27DB-BD31-4B8C-83A1-F6EECF244321}">
+                <p14:modId xmlns:p14="http://schemas.microsoft.com/office/powerpoint/2010/main" val="4282443866"/>
+              </p:ext>
+            </p:extLst>
+          </p:nvPr>
         </p:nvGraphicFramePr>
         <p:xfrm>
           <a:off x="0" y="6532604"/>
@@ -32463,14 +32403,7 @@
                     <a:bodyPr/>
                     <a:lstStyle/>
                     <a:p>
-                      <a:r>
-                        <a:rPr lang="en-US" dirty="0"/>
-                        <a:t>Acronis @ </a:t>
-                      </a:r>
-                      <a:r>
-                        <a:rPr lang="ru-RU" dirty="0"/>
-                        <a:t>МФТИ</a:t>
-                      </a:r>
+                      <a:endParaRPr lang="ru-RU" dirty="0"/>
                     </a:p>
                   </a:txBody>
                   <a:tcPr/>
@@ -32836,7 +32769,7 @@
           <p:nvPr>
             <p:extLst>
               <p:ext uri="{D42A27DB-BD31-4B8C-83A1-F6EECF244321}">
-                <p14:modId xmlns:p14="http://schemas.microsoft.com/office/powerpoint/2010/main" val="4164474727"/>
+                <p14:modId xmlns:p14="http://schemas.microsoft.com/office/powerpoint/2010/main" val="2738830479"/>
               </p:ext>
             </p:extLst>
           </p:nvPr>
@@ -32866,14 +32799,7 @@
                     <a:bodyPr/>
                     <a:lstStyle/>
                     <a:p>
-                      <a:r>
-                        <a:rPr lang="en-US" dirty="0"/>
-                        <a:t>Acronis @ </a:t>
-                      </a:r>
-                      <a:r>
-                        <a:rPr lang="ru-RU" dirty="0"/>
-                        <a:t>МФТИ</a:t>
-                      </a:r>
+                      <a:endParaRPr lang="ru-RU" dirty="0"/>
                     </a:p>
                   </a:txBody>
                   <a:tcPr/>
@@ -33268,7 +33194,13 @@
           <p:cNvGraphicFramePr>
             <a:graphicFrameLocks noGrp="1"/>
           </p:cNvGraphicFramePr>
-          <p:nvPr/>
+          <p:nvPr>
+            <p:extLst>
+              <p:ext uri="{D42A27DB-BD31-4B8C-83A1-F6EECF244321}">
+                <p14:modId xmlns:p14="http://schemas.microsoft.com/office/powerpoint/2010/main" val="2555991051"/>
+              </p:ext>
+            </p:extLst>
+          </p:nvPr>
         </p:nvGraphicFramePr>
         <p:xfrm>
           <a:off x="0" y="6532604"/>
@@ -33295,14 +33227,7 @@
                     <a:bodyPr/>
                     <a:lstStyle/>
                     <a:p>
-                      <a:r>
-                        <a:rPr lang="en-US" dirty="0"/>
-                        <a:t>Acronis @ </a:t>
-                      </a:r>
-                      <a:r>
-                        <a:rPr lang="ru-RU" dirty="0"/>
-                        <a:t>МФТИ</a:t>
-                      </a:r>
+                      <a:endParaRPr lang="ru-RU" dirty="0"/>
                     </a:p>
                   </a:txBody>
                   <a:tcPr/>
@@ -33713,7 +33638,13 @@
           <p:cNvGraphicFramePr>
             <a:graphicFrameLocks noGrp="1"/>
           </p:cNvGraphicFramePr>
-          <p:nvPr/>
+          <p:nvPr>
+            <p:extLst>
+              <p:ext uri="{D42A27DB-BD31-4B8C-83A1-F6EECF244321}">
+                <p14:modId xmlns:p14="http://schemas.microsoft.com/office/powerpoint/2010/main" val="3147230453"/>
+              </p:ext>
+            </p:extLst>
+          </p:nvPr>
         </p:nvGraphicFramePr>
         <p:xfrm>
           <a:off x="0" y="6532604"/>
@@ -33740,14 +33671,7 @@
                     <a:bodyPr/>
                     <a:lstStyle/>
                     <a:p>
-                      <a:r>
-                        <a:rPr lang="en-US" dirty="0"/>
-                        <a:t>Acronis @ </a:t>
-                      </a:r>
-                      <a:r>
-                        <a:rPr lang="ru-RU" dirty="0"/>
-                        <a:t>МФТИ</a:t>
-                      </a:r>
+                      <a:endParaRPr lang="ru-RU" dirty="0"/>
                     </a:p>
                   </a:txBody>
                   <a:tcPr/>
@@ -34952,7 +34876,13 @@
           <p:cNvGraphicFramePr>
             <a:graphicFrameLocks noGrp="1"/>
           </p:cNvGraphicFramePr>
-          <p:nvPr/>
+          <p:nvPr>
+            <p:extLst>
+              <p:ext uri="{D42A27DB-BD31-4B8C-83A1-F6EECF244321}">
+                <p14:modId xmlns:p14="http://schemas.microsoft.com/office/powerpoint/2010/main" val="1233470772"/>
+              </p:ext>
+            </p:extLst>
+          </p:nvPr>
         </p:nvGraphicFramePr>
         <p:xfrm>
           <a:off x="0" y="6532604"/>
@@ -34979,14 +34909,7 @@
                     <a:bodyPr/>
                     <a:lstStyle/>
                     <a:p>
-                      <a:r>
-                        <a:rPr lang="en-US" dirty="0"/>
-                        <a:t>Acronis @ </a:t>
-                      </a:r>
-                      <a:r>
-                        <a:rPr lang="ru-RU" dirty="0"/>
-                        <a:t>МФТИ</a:t>
-                      </a:r>
+                      <a:endParaRPr lang="ru-RU" dirty="0"/>
                     </a:p>
                   </a:txBody>
                   <a:tcPr/>
@@ -36254,7 +36177,13 @@
           <p:cNvGraphicFramePr>
             <a:graphicFrameLocks noGrp="1"/>
           </p:cNvGraphicFramePr>
-          <p:nvPr/>
+          <p:nvPr>
+            <p:extLst>
+              <p:ext uri="{D42A27DB-BD31-4B8C-83A1-F6EECF244321}">
+                <p14:modId xmlns:p14="http://schemas.microsoft.com/office/powerpoint/2010/main" val="2997083344"/>
+              </p:ext>
+            </p:extLst>
+          </p:nvPr>
         </p:nvGraphicFramePr>
         <p:xfrm>
           <a:off x="0" y="6532604"/>
@@ -36281,14 +36210,7 @@
                     <a:bodyPr/>
                     <a:lstStyle/>
                     <a:p>
-                      <a:r>
-                        <a:rPr lang="en-US" dirty="0"/>
-                        <a:t>Acronis @ </a:t>
-                      </a:r>
-                      <a:r>
-                        <a:rPr lang="ru-RU" dirty="0"/>
-                        <a:t>МФТИ</a:t>
-                      </a:r>
+                      <a:endParaRPr lang="ru-RU" dirty="0"/>
                     </a:p>
                   </a:txBody>
                   <a:tcPr/>
@@ -37948,7 +37870,13 @@
           <p:cNvGraphicFramePr>
             <a:graphicFrameLocks noGrp="1"/>
           </p:cNvGraphicFramePr>
-          <p:nvPr/>
+          <p:nvPr>
+            <p:extLst>
+              <p:ext uri="{D42A27DB-BD31-4B8C-83A1-F6EECF244321}">
+                <p14:modId xmlns:p14="http://schemas.microsoft.com/office/powerpoint/2010/main" val="3197099656"/>
+              </p:ext>
+            </p:extLst>
+          </p:nvPr>
         </p:nvGraphicFramePr>
         <p:xfrm>
           <a:off x="0" y="6532604"/>
@@ -37975,14 +37903,7 @@
                     <a:bodyPr/>
                     <a:lstStyle/>
                     <a:p>
-                      <a:r>
-                        <a:rPr lang="en-US" dirty="0"/>
-                        <a:t>Acronis @ </a:t>
-                      </a:r>
-                      <a:r>
-                        <a:rPr lang="ru-RU" dirty="0"/>
-                        <a:t>МФТИ</a:t>
-                      </a:r>
+                      <a:endParaRPr lang="ru-RU" dirty="0"/>
                     </a:p>
                   </a:txBody>
                   <a:tcPr/>
@@ -39733,7 +39654,7 @@
           <p:nvPr>
             <p:extLst>
               <p:ext uri="{D42A27DB-BD31-4B8C-83A1-F6EECF244321}">
-                <p14:modId xmlns:p14="http://schemas.microsoft.com/office/powerpoint/2010/main" val="4164474727"/>
+                <p14:modId xmlns:p14="http://schemas.microsoft.com/office/powerpoint/2010/main" val="3414434573"/>
               </p:ext>
             </p:extLst>
           </p:nvPr>
@@ -39763,14 +39684,7 @@
                     <a:bodyPr/>
                     <a:lstStyle/>
                     <a:p>
-                      <a:r>
-                        <a:rPr lang="en-US" dirty="0"/>
-                        <a:t>Acronis @ </a:t>
-                      </a:r>
-                      <a:r>
-                        <a:rPr lang="ru-RU" dirty="0"/>
-                        <a:t>МФТИ</a:t>
-                      </a:r>
+                      <a:endParaRPr lang="ru-RU" dirty="0"/>
                     </a:p>
                   </a:txBody>
                   <a:tcPr/>
@@ -41321,7 +41235,7 @@
           <p:nvPr>
             <p:extLst>
               <p:ext uri="{D42A27DB-BD31-4B8C-83A1-F6EECF244321}">
-                <p14:modId xmlns:p14="http://schemas.microsoft.com/office/powerpoint/2010/main" val="4164474727"/>
+                <p14:modId xmlns:p14="http://schemas.microsoft.com/office/powerpoint/2010/main" val="2380304833"/>
               </p:ext>
             </p:extLst>
           </p:nvPr>
@@ -41351,14 +41265,7 @@
                     <a:bodyPr/>
                     <a:lstStyle/>
                     <a:p>
-                      <a:r>
-                        <a:rPr lang="en-US" dirty="0"/>
-                        <a:t>Acronis @ </a:t>
-                      </a:r>
-                      <a:r>
-                        <a:rPr lang="ru-RU" dirty="0"/>
-                        <a:t>МФТИ</a:t>
-                      </a:r>
+                      <a:endParaRPr lang="ru-RU" dirty="0"/>
                     </a:p>
                   </a:txBody>
                   <a:tcPr/>
@@ -41620,7 +41527,7 @@
           <p:nvPr>
             <p:extLst>
               <p:ext uri="{D42A27DB-BD31-4B8C-83A1-F6EECF244321}">
-                <p14:modId xmlns:p14="http://schemas.microsoft.com/office/powerpoint/2010/main" val="4164474727"/>
+                <p14:modId xmlns:p14="http://schemas.microsoft.com/office/powerpoint/2010/main" val="3035524482"/>
               </p:ext>
             </p:extLst>
           </p:nvPr>
@@ -41650,14 +41557,7 @@
                     <a:bodyPr/>
                     <a:lstStyle/>
                     <a:p>
-                      <a:r>
-                        <a:rPr lang="en-US" dirty="0"/>
-                        <a:t>Acronis @ </a:t>
-                      </a:r>
-                      <a:r>
-                        <a:rPr lang="ru-RU" dirty="0"/>
-                        <a:t>МФТИ</a:t>
-                      </a:r>
+                      <a:endParaRPr lang="ru-RU" dirty="0"/>
                     </a:p>
                   </a:txBody>
                   <a:tcPr/>
@@ -41944,7 +41844,7 @@
           <p:nvPr>
             <p:extLst>
               <p:ext uri="{D42A27DB-BD31-4B8C-83A1-F6EECF244321}">
-                <p14:modId xmlns:p14="http://schemas.microsoft.com/office/powerpoint/2010/main" val="4164474727"/>
+                <p14:modId xmlns:p14="http://schemas.microsoft.com/office/powerpoint/2010/main" val="167417071"/>
               </p:ext>
             </p:extLst>
           </p:nvPr>
@@ -41974,14 +41874,7 @@
                     <a:bodyPr/>
                     <a:lstStyle/>
                     <a:p>
-                      <a:r>
-                        <a:rPr lang="en-US" dirty="0"/>
-                        <a:t>Acronis @ </a:t>
-                      </a:r>
-                      <a:r>
-                        <a:rPr lang="ru-RU" dirty="0"/>
-                        <a:t>МФТИ</a:t>
-                      </a:r>
+                      <a:endParaRPr lang="ru-RU" dirty="0"/>
                     </a:p>
                   </a:txBody>
                   <a:tcPr/>
@@ -42300,7 +42193,13 @@
           <p:cNvGraphicFramePr>
             <a:graphicFrameLocks noGrp="1"/>
           </p:cNvGraphicFramePr>
-          <p:nvPr/>
+          <p:nvPr>
+            <p:extLst>
+              <p:ext uri="{D42A27DB-BD31-4B8C-83A1-F6EECF244321}">
+                <p14:modId xmlns:p14="http://schemas.microsoft.com/office/powerpoint/2010/main" val="3174615359"/>
+              </p:ext>
+            </p:extLst>
+          </p:nvPr>
         </p:nvGraphicFramePr>
         <p:xfrm>
           <a:off x="0" y="6532604"/>
@@ -42327,14 +42226,7 @@
                     <a:bodyPr/>
                     <a:lstStyle/>
                     <a:p>
-                      <a:r>
-                        <a:rPr lang="en-US" dirty="0"/>
-                        <a:t>Acronis @ </a:t>
-                      </a:r>
-                      <a:r>
-                        <a:rPr lang="ru-RU" dirty="0"/>
-                        <a:t>МФТИ</a:t>
-                      </a:r>
+                      <a:endParaRPr lang="ru-RU" dirty="0"/>
                     </a:p>
                   </a:txBody>
                   <a:tcPr/>
